--- a/tex_doc/Pictures/Mockups/Mockup_Travlendar+.pptx
+++ b/tex_doc/Pictures/Mockups/Mockup_Travlendar+.pptx
@@ -282,7 +282,7 @@
           <a:p>
             <a:fld id="{12CD97DC-B5C3-44DB-AE9B-A9A65BB65B09}" type="datetimeFigureOut">
               <a:rPr lang="it-IT" smtClean="0"/>
-              <a:t>29/10/2017</a:t>
+              <a:t>20/11/2017</a:t>
             </a:fld>
             <a:endParaRPr lang="it-IT"/>
           </a:p>
@@ -480,7 +480,7 @@
           <a:p>
             <a:fld id="{12CD97DC-B5C3-44DB-AE9B-A9A65BB65B09}" type="datetimeFigureOut">
               <a:rPr lang="it-IT" smtClean="0"/>
-              <a:t>29/10/2017</a:t>
+              <a:t>20/11/2017</a:t>
             </a:fld>
             <a:endParaRPr lang="it-IT"/>
           </a:p>
@@ -688,7 +688,7 @@
           <a:p>
             <a:fld id="{12CD97DC-B5C3-44DB-AE9B-A9A65BB65B09}" type="datetimeFigureOut">
               <a:rPr lang="it-IT" smtClean="0"/>
-              <a:t>29/10/2017</a:t>
+              <a:t>20/11/2017</a:t>
             </a:fld>
             <a:endParaRPr lang="it-IT"/>
           </a:p>
@@ -886,7 +886,7 @@
           <a:p>
             <a:fld id="{12CD97DC-B5C3-44DB-AE9B-A9A65BB65B09}" type="datetimeFigureOut">
               <a:rPr lang="it-IT" smtClean="0"/>
-              <a:t>29/10/2017</a:t>
+              <a:t>20/11/2017</a:t>
             </a:fld>
             <a:endParaRPr lang="it-IT"/>
           </a:p>
@@ -1161,7 +1161,7 @@
           <a:p>
             <a:fld id="{12CD97DC-B5C3-44DB-AE9B-A9A65BB65B09}" type="datetimeFigureOut">
               <a:rPr lang="it-IT" smtClean="0"/>
-              <a:t>29/10/2017</a:t>
+              <a:t>20/11/2017</a:t>
             </a:fld>
             <a:endParaRPr lang="it-IT"/>
           </a:p>
@@ -1426,7 +1426,7 @@
           <a:p>
             <a:fld id="{12CD97DC-B5C3-44DB-AE9B-A9A65BB65B09}" type="datetimeFigureOut">
               <a:rPr lang="it-IT" smtClean="0"/>
-              <a:t>29/10/2017</a:t>
+              <a:t>20/11/2017</a:t>
             </a:fld>
             <a:endParaRPr lang="it-IT"/>
           </a:p>
@@ -1838,7 +1838,7 @@
           <a:p>
             <a:fld id="{12CD97DC-B5C3-44DB-AE9B-A9A65BB65B09}" type="datetimeFigureOut">
               <a:rPr lang="it-IT" smtClean="0"/>
-              <a:t>29/10/2017</a:t>
+              <a:t>20/11/2017</a:t>
             </a:fld>
             <a:endParaRPr lang="it-IT"/>
           </a:p>
@@ -1979,7 +1979,7 @@
           <a:p>
             <a:fld id="{12CD97DC-B5C3-44DB-AE9B-A9A65BB65B09}" type="datetimeFigureOut">
               <a:rPr lang="it-IT" smtClean="0"/>
-              <a:t>29/10/2017</a:t>
+              <a:t>20/11/2017</a:t>
             </a:fld>
             <a:endParaRPr lang="it-IT"/>
           </a:p>
@@ -2092,7 +2092,7 @@
           <a:p>
             <a:fld id="{12CD97DC-B5C3-44DB-AE9B-A9A65BB65B09}" type="datetimeFigureOut">
               <a:rPr lang="it-IT" smtClean="0"/>
-              <a:t>29/10/2017</a:t>
+              <a:t>20/11/2017</a:t>
             </a:fld>
             <a:endParaRPr lang="it-IT"/>
           </a:p>
@@ -2403,7 +2403,7 @@
           <a:p>
             <a:fld id="{12CD97DC-B5C3-44DB-AE9B-A9A65BB65B09}" type="datetimeFigureOut">
               <a:rPr lang="it-IT" smtClean="0"/>
-              <a:t>29/10/2017</a:t>
+              <a:t>20/11/2017</a:t>
             </a:fld>
             <a:endParaRPr lang="it-IT"/>
           </a:p>
@@ -2691,7 +2691,7 @@
           <a:p>
             <a:fld id="{12CD97DC-B5C3-44DB-AE9B-A9A65BB65B09}" type="datetimeFigureOut">
               <a:rPr lang="it-IT" smtClean="0"/>
-              <a:t>29/10/2017</a:t>
+              <a:t>20/11/2017</a:t>
             </a:fld>
             <a:endParaRPr lang="it-IT"/>
           </a:p>
@@ -2932,7 +2932,7 @@
           <a:p>
             <a:fld id="{12CD97DC-B5C3-44DB-AE9B-A9A65BB65B09}" type="datetimeFigureOut">
               <a:rPr lang="it-IT" smtClean="0"/>
-              <a:t>29/10/2017</a:t>
+              <a:t>20/11/2017</a:t>
             </a:fld>
             <a:endParaRPr lang="it-IT"/>
           </a:p>
@@ -3508,42 +3508,6 @@
           </p:txBody>
         </p:sp>
       </p:grpSp>
-      <p:pic>
-        <p:nvPicPr>
-          <p:cNvPr id="9" name="Immagine 8">
-            <a:extLst>
-              <a:ext uri="{FF2B5EF4-FFF2-40B4-BE49-F238E27FC236}">
-                <a16:creationId xmlns:a16="http://schemas.microsoft.com/office/drawing/2014/main" id="{CDD915DF-AD99-4700-893E-86FCAD817DE8}"/>
-              </a:ext>
-            </a:extLst>
-          </p:cNvPr>
-          <p:cNvPicPr>
-            <a:picLocks noChangeAspect="1"/>
-          </p:cNvPicPr>
-          <p:nvPr/>
-        </p:nvPicPr>
-        <p:blipFill>
-          <a:blip r:embed="rId3">
-            <a:extLst>
-              <a:ext uri="{28A0092B-C50C-407E-A947-70E740481C1C}">
-                <a14:useLocalDpi xmlns:a14="http://schemas.microsoft.com/office/drawing/2010/main" val="0"/>
-              </a:ext>
-            </a:extLst>
-          </a:blip>
-          <a:stretch>
-            <a:fillRect/>
-          </a:stretch>
-        </p:blipFill>
-        <p:spPr>
-          <a:xfrm>
-            <a:off x="195392" y="671119"/>
-            <a:ext cx="1723239" cy="1723239"/>
-          </a:xfrm>
-          <a:prstGeom prst="rect">
-            <a:avLst/>
-          </a:prstGeom>
-        </p:spPr>
-      </p:pic>
       <p:sp>
         <p:nvSpPr>
           <p:cNvPr id="10" name="Rettangolo 9">
@@ -4349,6 +4313,68 @@
           </a:p>
         </p:txBody>
       </p:sp>
+      <p:pic>
+        <p:nvPicPr>
+          <p:cNvPr id="20" name="Immagine 19">
+            <a:extLst>
+              <a:ext uri="{FF2B5EF4-FFF2-40B4-BE49-F238E27FC236}">
+                <a16:creationId xmlns:a16="http://schemas.microsoft.com/office/drawing/2014/main" id="{96B9D958-3CA5-4869-8E4B-8080D5DB86E3}"/>
+              </a:ext>
+            </a:extLst>
+          </p:cNvPr>
+          <p:cNvPicPr>
+            <a:picLocks noChangeAspect="1"/>
+          </p:cNvPicPr>
+          <p:nvPr/>
+        </p:nvPicPr>
+        <p:blipFill rotWithShape="1">
+          <a:blip r:embed="rId3">
+            <a:extLst>
+              <a:ext uri="{BEBA8EAE-BF5A-486C-A8C5-ECC9F3942E4B}">
+                <a14:imgProps xmlns:a14="http://schemas.microsoft.com/office/drawing/2010/main">
+                  <a14:imgLayer r:embed="rId4">
+                    <a14:imgEffect>
+                      <a14:backgroundRemoval t="16667" b="81167" l="12833" r="81167">
+                        <a14:foregroundMark x1="52167" y1="19000" x2="52167" y2="19000"/>
+                        <a14:foregroundMark x1="50333" y1="17667" x2="50333" y2="17667"/>
+                        <a14:foregroundMark x1="51833" y1="16667" x2="51833" y2="16667"/>
+                        <a14:foregroundMark x1="52833" y1="16833" x2="52833" y2="16833"/>
+                        <a14:foregroundMark x1="49417" y1="18000" x2="49417" y2="18000"/>
+                        <a14:foregroundMark x1="16583" y1="59833" x2="16583" y2="59833"/>
+                        <a14:foregroundMark x1="12833" y1="61333" x2="12833" y2="61333"/>
+                        <a14:foregroundMark x1="14417" y1="57417" x2="14417" y2="57417"/>
+                        <a14:foregroundMark x1="15417" y1="57083" x2="15417" y2="57083"/>
+                        <a14:foregroundMark x1="16250" y1="56750" x2="16250" y2="56750"/>
+                        <a14:foregroundMark x1="13417" y1="58167" x2="13417" y2="58167"/>
+                      </a14:backgroundRemoval>
+                    </a14:imgEffect>
+                  </a14:imgLayer>
+                </a14:imgProps>
+              </a:ext>
+              <a:ext uri="{28A0092B-C50C-407E-A947-70E740481C1C}">
+                <a14:useLocalDpi xmlns:a14="http://schemas.microsoft.com/office/drawing/2010/main" val="0"/>
+              </a:ext>
+            </a:extLst>
+          </a:blip>
+          <a:srcRect l="8841" t="11787" r="10774" b="11112"/>
+          <a:stretch/>
+        </p:blipFill>
+        <p:spPr>
+          <a:xfrm>
+            <a:off x="-119700" y="408461"/>
+            <a:ext cx="2353424" cy="2257250"/>
+          </a:xfrm>
+          <a:prstGeom prst="ellipse">
+            <a:avLst/>
+          </a:prstGeom>
+          <a:ln>
+            <a:noFill/>
+          </a:ln>
+          <a:effectLst>
+            <a:softEdge rad="0"/>
+          </a:effectLst>
+        </p:spPr>
+      </p:pic>
     </p:spTree>
     <p:extLst>
       <p:ext uri="{BB962C8B-B14F-4D97-AF65-F5344CB8AC3E}">
@@ -4538,42 +4564,6 @@
           </p:txBody>
         </p:sp>
       </p:grpSp>
-      <p:pic>
-        <p:nvPicPr>
-          <p:cNvPr id="9" name="Immagine 8">
-            <a:extLst>
-              <a:ext uri="{FF2B5EF4-FFF2-40B4-BE49-F238E27FC236}">
-                <a16:creationId xmlns:a16="http://schemas.microsoft.com/office/drawing/2014/main" id="{CDD915DF-AD99-4700-893E-86FCAD817DE8}"/>
-              </a:ext>
-            </a:extLst>
-          </p:cNvPr>
-          <p:cNvPicPr>
-            <a:picLocks noChangeAspect="1"/>
-          </p:cNvPicPr>
-          <p:nvPr/>
-        </p:nvPicPr>
-        <p:blipFill>
-          <a:blip r:embed="rId3">
-            <a:extLst>
-              <a:ext uri="{28A0092B-C50C-407E-A947-70E740481C1C}">
-                <a14:useLocalDpi xmlns:a14="http://schemas.microsoft.com/office/drawing/2010/main" val="0"/>
-              </a:ext>
-            </a:extLst>
-          </a:blip>
-          <a:stretch>
-            <a:fillRect/>
-          </a:stretch>
-        </p:blipFill>
-        <p:spPr>
-          <a:xfrm>
-            <a:off x="126262" y="502856"/>
-            <a:ext cx="989045" cy="989045"/>
-          </a:xfrm>
-          <a:prstGeom prst="rect">
-            <a:avLst/>
-          </a:prstGeom>
-        </p:spPr>
-      </p:pic>
       <p:sp>
         <p:nvSpPr>
           <p:cNvPr id="10" name="Rettangolo 9">
@@ -6243,6 +6233,68 @@
           </a:p>
         </p:txBody>
       </p:sp>
+      <p:pic>
+        <p:nvPicPr>
+          <p:cNvPr id="28" name="Immagine 27">
+            <a:extLst>
+              <a:ext uri="{FF2B5EF4-FFF2-40B4-BE49-F238E27FC236}">
+                <a16:creationId xmlns:a16="http://schemas.microsoft.com/office/drawing/2014/main" id="{96B9D958-3CA5-4869-8E4B-8080D5DB86E3}"/>
+              </a:ext>
+            </a:extLst>
+          </p:cNvPr>
+          <p:cNvPicPr>
+            <a:picLocks noChangeAspect="1"/>
+          </p:cNvPicPr>
+          <p:nvPr/>
+        </p:nvPicPr>
+        <p:blipFill rotWithShape="1">
+          <a:blip r:embed="rId3">
+            <a:extLst>
+              <a:ext uri="{BEBA8EAE-BF5A-486C-A8C5-ECC9F3942E4B}">
+                <a14:imgProps xmlns:a14="http://schemas.microsoft.com/office/drawing/2010/main">
+                  <a14:imgLayer r:embed="rId4">
+                    <a14:imgEffect>
+                      <a14:backgroundRemoval t="16667" b="81167" l="12833" r="81167">
+                        <a14:foregroundMark x1="52167" y1="19000" x2="52167" y2="19000"/>
+                        <a14:foregroundMark x1="50333" y1="17667" x2="50333" y2="17667"/>
+                        <a14:foregroundMark x1="51833" y1="16667" x2="51833" y2="16667"/>
+                        <a14:foregroundMark x1="52833" y1="16833" x2="52833" y2="16833"/>
+                        <a14:foregroundMark x1="49417" y1="18000" x2="49417" y2="18000"/>
+                        <a14:foregroundMark x1="16583" y1="59833" x2="16583" y2="59833"/>
+                        <a14:foregroundMark x1="12833" y1="61333" x2="12833" y2="61333"/>
+                        <a14:foregroundMark x1="14417" y1="57417" x2="14417" y2="57417"/>
+                        <a14:foregroundMark x1="15417" y1="57083" x2="15417" y2="57083"/>
+                        <a14:foregroundMark x1="16250" y1="56750" x2="16250" y2="56750"/>
+                        <a14:foregroundMark x1="13417" y1="58167" x2="13417" y2="58167"/>
+                      </a14:backgroundRemoval>
+                    </a14:imgEffect>
+                  </a14:imgLayer>
+                </a14:imgProps>
+              </a:ext>
+              <a:ext uri="{28A0092B-C50C-407E-A947-70E740481C1C}">
+                <a14:useLocalDpi xmlns:a14="http://schemas.microsoft.com/office/drawing/2010/main" val="0"/>
+              </a:ext>
+            </a:extLst>
+          </a:blip>
+          <a:srcRect l="8841" t="11787" r="10774" b="11112"/>
+          <a:stretch/>
+        </p:blipFill>
+        <p:spPr>
+          <a:xfrm>
+            <a:off x="41067" y="491401"/>
+            <a:ext cx="1159436" cy="1112055"/>
+          </a:xfrm>
+          <a:prstGeom prst="ellipse">
+            <a:avLst/>
+          </a:prstGeom>
+          <a:ln>
+            <a:noFill/>
+          </a:ln>
+          <a:effectLst>
+            <a:softEdge rad="0"/>
+          </a:effectLst>
+        </p:spPr>
+      </p:pic>
     </p:spTree>
     <p:extLst>
       <p:ext uri="{BB962C8B-B14F-4D97-AF65-F5344CB8AC3E}">
@@ -6432,42 +6484,6 @@
           </p:txBody>
         </p:sp>
       </p:grpSp>
-      <p:pic>
-        <p:nvPicPr>
-          <p:cNvPr id="9" name="Immagine 8">
-            <a:extLst>
-              <a:ext uri="{FF2B5EF4-FFF2-40B4-BE49-F238E27FC236}">
-                <a16:creationId xmlns:a16="http://schemas.microsoft.com/office/drawing/2014/main" id="{CDD915DF-AD99-4700-893E-86FCAD817DE8}"/>
-              </a:ext>
-            </a:extLst>
-          </p:cNvPr>
-          <p:cNvPicPr>
-            <a:picLocks noChangeAspect="1"/>
-          </p:cNvPicPr>
-          <p:nvPr/>
-        </p:nvPicPr>
-        <p:blipFill>
-          <a:blip r:embed="rId3">
-            <a:extLst>
-              <a:ext uri="{28A0092B-C50C-407E-A947-70E740481C1C}">
-                <a14:useLocalDpi xmlns:a14="http://schemas.microsoft.com/office/drawing/2010/main" val="0"/>
-              </a:ext>
-            </a:extLst>
-          </a:blip>
-          <a:stretch>
-            <a:fillRect/>
-          </a:stretch>
-        </p:blipFill>
-        <p:spPr>
-          <a:xfrm>
-            <a:off x="126262" y="502856"/>
-            <a:ext cx="989045" cy="989045"/>
-          </a:xfrm>
-          <a:prstGeom prst="rect">
-            <a:avLst/>
-          </a:prstGeom>
-        </p:spPr>
-      </p:pic>
       <p:sp>
         <p:nvSpPr>
           <p:cNvPr id="10" name="Rettangolo 9">
@@ -6985,13 +7001,13 @@
           <p:nvPr/>
         </p:nvPicPr>
         <p:blipFill>
-          <a:blip r:embed="rId4">
+          <a:blip r:embed="rId3">
             <a:extLst>
               <a:ext uri="{28A0092B-C50C-407E-A947-70E740481C1C}">
                 <a14:useLocalDpi xmlns:a14="http://schemas.microsoft.com/office/drawing/2010/main" val="0"/>
               </a:ext>
               <a:ext uri="{96DAC541-7B7A-43D3-8B79-37D633B846F1}">
-                <asvg:svgBlip xmlns:asvg="http://schemas.microsoft.com/office/drawing/2016/SVG/main" r:embed="rId5"/>
+                <asvg:svgBlip xmlns:asvg="http://schemas.microsoft.com/office/drawing/2016/SVG/main" r:embed="rId4"/>
               </a:ext>
             </a:extLst>
           </a:blip>
@@ -8801,13 +8817,13 @@
             <p:nvPr/>
           </p:nvPicPr>
           <p:blipFill>
-            <a:blip r:embed="rId6">
+            <a:blip r:embed="rId5">
               <a:extLst>
                 <a:ext uri="{28A0092B-C50C-407E-A947-70E740481C1C}">
                   <a14:useLocalDpi xmlns:a14="http://schemas.microsoft.com/office/drawing/2010/main" val="0"/>
                 </a:ext>
                 <a:ext uri="{96DAC541-7B7A-43D3-8B79-37D633B846F1}">
-                  <asvg:svgBlip xmlns:asvg="http://schemas.microsoft.com/office/drawing/2016/SVG/main" r:embed="rId7"/>
+                  <asvg:svgBlip xmlns:asvg="http://schemas.microsoft.com/office/drawing/2016/SVG/main" r:embed="rId6"/>
                 </a:ext>
               </a:extLst>
             </a:blip>
@@ -8840,13 +8856,13 @@
             <p:nvPr/>
           </p:nvPicPr>
           <p:blipFill>
-            <a:blip r:embed="rId6">
+            <a:blip r:embed="rId5">
               <a:extLst>
                 <a:ext uri="{28A0092B-C50C-407E-A947-70E740481C1C}">
                   <a14:useLocalDpi xmlns:a14="http://schemas.microsoft.com/office/drawing/2010/main" val="0"/>
                 </a:ext>
                 <a:ext uri="{96DAC541-7B7A-43D3-8B79-37D633B846F1}">
-                  <asvg:svgBlip xmlns:asvg="http://schemas.microsoft.com/office/drawing/2016/SVG/main" r:embed="rId7"/>
+                  <asvg:svgBlip xmlns:asvg="http://schemas.microsoft.com/office/drawing/2016/SVG/main" r:embed="rId6"/>
                 </a:ext>
               </a:extLst>
             </a:blip>
@@ -9064,13 +9080,13 @@
           <p:nvPr/>
         </p:nvPicPr>
         <p:blipFill>
-          <a:blip r:embed="rId4">
+          <a:blip r:embed="rId3">
             <a:extLst>
               <a:ext uri="{28A0092B-C50C-407E-A947-70E740481C1C}">
                 <a14:useLocalDpi xmlns:a14="http://schemas.microsoft.com/office/drawing/2010/main" val="0"/>
               </a:ext>
               <a:ext uri="{96DAC541-7B7A-43D3-8B79-37D633B846F1}">
-                <asvg:svgBlip xmlns:asvg="http://schemas.microsoft.com/office/drawing/2016/SVG/main" r:embed="rId5"/>
+                <asvg:svgBlip xmlns:asvg="http://schemas.microsoft.com/office/drawing/2016/SVG/main" r:embed="rId4"/>
               </a:ext>
             </a:extLst>
           </a:blip>
@@ -9086,6 +9102,68 @@
           <a:prstGeom prst="rect">
             <a:avLst/>
           </a:prstGeom>
+        </p:spPr>
+      </p:pic>
+      <p:pic>
+        <p:nvPicPr>
+          <p:cNvPr id="50" name="Immagine 49">
+            <a:extLst>
+              <a:ext uri="{FF2B5EF4-FFF2-40B4-BE49-F238E27FC236}">
+                <a16:creationId xmlns:a16="http://schemas.microsoft.com/office/drawing/2014/main" id="{54B35998-E07C-48D4-8E31-FD1AF8420185}"/>
+              </a:ext>
+            </a:extLst>
+          </p:cNvPr>
+          <p:cNvPicPr>
+            <a:picLocks noChangeAspect="1"/>
+          </p:cNvPicPr>
+          <p:nvPr/>
+        </p:nvPicPr>
+        <p:blipFill rotWithShape="1">
+          <a:blip r:embed="rId7">
+            <a:extLst>
+              <a:ext uri="{BEBA8EAE-BF5A-486C-A8C5-ECC9F3942E4B}">
+                <a14:imgProps xmlns:a14="http://schemas.microsoft.com/office/drawing/2010/main">
+                  <a14:imgLayer r:embed="rId8">
+                    <a14:imgEffect>
+                      <a14:backgroundRemoval t="16667" b="81167" l="12833" r="81167">
+                        <a14:foregroundMark x1="52167" y1="19000" x2="52167" y2="19000"/>
+                        <a14:foregroundMark x1="50333" y1="17667" x2="50333" y2="17667"/>
+                        <a14:foregroundMark x1="51833" y1="16667" x2="51833" y2="16667"/>
+                        <a14:foregroundMark x1="52833" y1="16833" x2="52833" y2="16833"/>
+                        <a14:foregroundMark x1="49417" y1="18000" x2="49417" y2="18000"/>
+                        <a14:foregroundMark x1="16583" y1="59833" x2="16583" y2="59833"/>
+                        <a14:foregroundMark x1="12833" y1="61333" x2="12833" y2="61333"/>
+                        <a14:foregroundMark x1="14417" y1="57417" x2="14417" y2="57417"/>
+                        <a14:foregroundMark x1="15417" y1="57083" x2="15417" y2="57083"/>
+                        <a14:foregroundMark x1="16250" y1="56750" x2="16250" y2="56750"/>
+                        <a14:foregroundMark x1="13417" y1="58167" x2="13417" y2="58167"/>
+                      </a14:backgroundRemoval>
+                    </a14:imgEffect>
+                  </a14:imgLayer>
+                </a14:imgProps>
+              </a:ext>
+              <a:ext uri="{28A0092B-C50C-407E-A947-70E740481C1C}">
+                <a14:useLocalDpi xmlns:a14="http://schemas.microsoft.com/office/drawing/2010/main" val="0"/>
+              </a:ext>
+            </a:extLst>
+          </a:blip>
+          <a:srcRect l="8841" t="11787" r="10774" b="11112"/>
+          <a:stretch/>
+        </p:blipFill>
+        <p:spPr>
+          <a:xfrm>
+            <a:off x="41067" y="491401"/>
+            <a:ext cx="1159436" cy="1112055"/>
+          </a:xfrm>
+          <a:prstGeom prst="ellipse">
+            <a:avLst/>
+          </a:prstGeom>
+          <a:ln>
+            <a:noFill/>
+          </a:ln>
+          <a:effectLst>
+            <a:softEdge rad="0"/>
+          </a:effectLst>
         </p:spPr>
       </p:pic>
     </p:spTree>
@@ -9277,42 +9355,6 @@
           </p:txBody>
         </p:sp>
       </p:grpSp>
-      <p:pic>
-        <p:nvPicPr>
-          <p:cNvPr id="9" name="Immagine 8">
-            <a:extLst>
-              <a:ext uri="{FF2B5EF4-FFF2-40B4-BE49-F238E27FC236}">
-                <a16:creationId xmlns:a16="http://schemas.microsoft.com/office/drawing/2014/main" id="{CDD915DF-AD99-4700-893E-86FCAD817DE8}"/>
-              </a:ext>
-            </a:extLst>
-          </p:cNvPr>
-          <p:cNvPicPr>
-            <a:picLocks noChangeAspect="1"/>
-          </p:cNvPicPr>
-          <p:nvPr/>
-        </p:nvPicPr>
-        <p:blipFill>
-          <a:blip r:embed="rId3">
-            <a:extLst>
-              <a:ext uri="{28A0092B-C50C-407E-A947-70E740481C1C}">
-                <a14:useLocalDpi xmlns:a14="http://schemas.microsoft.com/office/drawing/2010/main" val="0"/>
-              </a:ext>
-            </a:extLst>
-          </a:blip>
-          <a:stretch>
-            <a:fillRect/>
-          </a:stretch>
-        </p:blipFill>
-        <p:spPr>
-          <a:xfrm>
-            <a:off x="126262" y="502856"/>
-            <a:ext cx="989045" cy="989045"/>
-          </a:xfrm>
-          <a:prstGeom prst="rect">
-            <a:avLst/>
-          </a:prstGeom>
-        </p:spPr>
-      </p:pic>
       <p:sp>
         <p:nvSpPr>
           <p:cNvPr id="10" name="Rettangolo 9">
@@ -9835,7 +9877,7 @@
           <p:nvPr/>
         </p:nvPicPr>
         <p:blipFill rotWithShape="1">
-          <a:blip r:embed="rId4"/>
+          <a:blip r:embed="rId3"/>
           <a:srcRect l="9697" t="5996" r="12983"/>
           <a:stretch/>
         </p:blipFill>
@@ -11100,6 +11142,68 @@
           </a:p>
         </p:txBody>
       </p:sp>
+      <p:pic>
+        <p:nvPicPr>
+          <p:cNvPr id="32" name="Immagine 31">
+            <a:extLst>
+              <a:ext uri="{FF2B5EF4-FFF2-40B4-BE49-F238E27FC236}">
+                <a16:creationId xmlns:a16="http://schemas.microsoft.com/office/drawing/2014/main" id="{3489A5DD-4152-4BF1-B1CC-09A3B0745CC3}"/>
+              </a:ext>
+            </a:extLst>
+          </p:cNvPr>
+          <p:cNvPicPr>
+            <a:picLocks noChangeAspect="1"/>
+          </p:cNvPicPr>
+          <p:nvPr/>
+        </p:nvPicPr>
+        <p:blipFill rotWithShape="1">
+          <a:blip r:embed="rId4">
+            <a:extLst>
+              <a:ext uri="{BEBA8EAE-BF5A-486C-A8C5-ECC9F3942E4B}">
+                <a14:imgProps xmlns:a14="http://schemas.microsoft.com/office/drawing/2010/main">
+                  <a14:imgLayer r:embed="rId5">
+                    <a14:imgEffect>
+                      <a14:backgroundRemoval t="16667" b="81167" l="12833" r="81167">
+                        <a14:foregroundMark x1="52167" y1="19000" x2="52167" y2="19000"/>
+                        <a14:foregroundMark x1="50333" y1="17667" x2="50333" y2="17667"/>
+                        <a14:foregroundMark x1="51833" y1="16667" x2="51833" y2="16667"/>
+                        <a14:foregroundMark x1="52833" y1="16833" x2="52833" y2="16833"/>
+                        <a14:foregroundMark x1="49417" y1="18000" x2="49417" y2="18000"/>
+                        <a14:foregroundMark x1="16583" y1="59833" x2="16583" y2="59833"/>
+                        <a14:foregroundMark x1="12833" y1="61333" x2="12833" y2="61333"/>
+                        <a14:foregroundMark x1="14417" y1="57417" x2="14417" y2="57417"/>
+                        <a14:foregroundMark x1="15417" y1="57083" x2="15417" y2="57083"/>
+                        <a14:foregroundMark x1="16250" y1="56750" x2="16250" y2="56750"/>
+                        <a14:foregroundMark x1="13417" y1="58167" x2="13417" y2="58167"/>
+                      </a14:backgroundRemoval>
+                    </a14:imgEffect>
+                  </a14:imgLayer>
+                </a14:imgProps>
+              </a:ext>
+              <a:ext uri="{28A0092B-C50C-407E-A947-70E740481C1C}">
+                <a14:useLocalDpi xmlns:a14="http://schemas.microsoft.com/office/drawing/2010/main" val="0"/>
+              </a:ext>
+            </a:extLst>
+          </a:blip>
+          <a:srcRect l="8841" t="11787" r="10774" b="11112"/>
+          <a:stretch/>
+        </p:blipFill>
+        <p:spPr>
+          <a:xfrm>
+            <a:off x="41067" y="491401"/>
+            <a:ext cx="1159436" cy="1112055"/>
+          </a:xfrm>
+          <a:prstGeom prst="ellipse">
+            <a:avLst/>
+          </a:prstGeom>
+          <a:ln>
+            <a:noFill/>
+          </a:ln>
+          <a:effectLst>
+            <a:softEdge rad="0"/>
+          </a:effectLst>
+        </p:spPr>
+      </p:pic>
     </p:spTree>
     <p:extLst>
       <p:ext uri="{BB962C8B-B14F-4D97-AF65-F5344CB8AC3E}">
@@ -11468,42 +11572,6 @@
           </p:txBody>
         </p:sp>
       </p:grpSp>
-      <p:pic>
-        <p:nvPicPr>
-          <p:cNvPr id="9" name="Immagine 8">
-            <a:extLst>
-              <a:ext uri="{FF2B5EF4-FFF2-40B4-BE49-F238E27FC236}">
-                <a16:creationId xmlns:a16="http://schemas.microsoft.com/office/drawing/2014/main" id="{92357B94-CCF5-45AC-9EB8-361593A73F57}"/>
-              </a:ext>
-            </a:extLst>
-          </p:cNvPr>
-          <p:cNvPicPr>
-            <a:picLocks noChangeAspect="1"/>
-          </p:cNvPicPr>
-          <p:nvPr/>
-        </p:nvPicPr>
-        <p:blipFill>
-          <a:blip r:embed="rId2">
-            <a:extLst>
-              <a:ext uri="{28A0092B-C50C-407E-A947-70E740481C1C}">
-                <a14:useLocalDpi xmlns:a14="http://schemas.microsoft.com/office/drawing/2010/main" val="0"/>
-              </a:ext>
-            </a:extLst>
-          </a:blip>
-          <a:stretch>
-            <a:fillRect/>
-          </a:stretch>
-        </p:blipFill>
-        <p:spPr>
-          <a:xfrm>
-            <a:off x="5620273" y="369115"/>
-            <a:ext cx="1074141" cy="1074141"/>
-          </a:xfrm>
-          <a:prstGeom prst="rect">
-            <a:avLst/>
-          </a:prstGeom>
-        </p:spPr>
-      </p:pic>
       <p:sp>
         <p:nvSpPr>
           <p:cNvPr id="10" name="Rettangolo 9">
@@ -11815,6 +11883,68 @@
           </a:p>
         </p:txBody>
       </p:sp>
+      <p:pic>
+        <p:nvPicPr>
+          <p:cNvPr id="18" name="Immagine 17">
+            <a:extLst>
+              <a:ext uri="{FF2B5EF4-FFF2-40B4-BE49-F238E27FC236}">
+                <a16:creationId xmlns:a16="http://schemas.microsoft.com/office/drawing/2014/main" id="{D85FEBBA-5E7A-4551-A3B9-7B73645EF5B3}"/>
+              </a:ext>
+            </a:extLst>
+          </p:cNvPr>
+          <p:cNvPicPr>
+            <a:picLocks noChangeAspect="1"/>
+          </p:cNvPicPr>
+          <p:nvPr/>
+        </p:nvPicPr>
+        <p:blipFill rotWithShape="1">
+          <a:blip r:embed="rId2">
+            <a:extLst>
+              <a:ext uri="{BEBA8EAE-BF5A-486C-A8C5-ECC9F3942E4B}">
+                <a14:imgProps xmlns:a14="http://schemas.microsoft.com/office/drawing/2010/main">
+                  <a14:imgLayer r:embed="rId3">
+                    <a14:imgEffect>
+                      <a14:backgroundRemoval t="16667" b="81167" l="12833" r="81167">
+                        <a14:foregroundMark x1="52167" y1="19000" x2="52167" y2="19000"/>
+                        <a14:foregroundMark x1="50333" y1="17667" x2="50333" y2="17667"/>
+                        <a14:foregroundMark x1="51833" y1="16667" x2="51833" y2="16667"/>
+                        <a14:foregroundMark x1="52833" y1="16833" x2="52833" y2="16833"/>
+                        <a14:foregroundMark x1="49417" y1="18000" x2="49417" y2="18000"/>
+                        <a14:foregroundMark x1="16583" y1="59833" x2="16583" y2="59833"/>
+                        <a14:foregroundMark x1="12833" y1="61333" x2="12833" y2="61333"/>
+                        <a14:foregroundMark x1="14417" y1="57417" x2="14417" y2="57417"/>
+                        <a14:foregroundMark x1="15417" y1="57083" x2="15417" y2="57083"/>
+                        <a14:foregroundMark x1="16250" y1="56750" x2="16250" y2="56750"/>
+                        <a14:foregroundMark x1="13417" y1="58167" x2="13417" y2="58167"/>
+                      </a14:backgroundRemoval>
+                    </a14:imgEffect>
+                  </a14:imgLayer>
+                </a14:imgProps>
+              </a:ext>
+              <a:ext uri="{28A0092B-C50C-407E-A947-70E740481C1C}">
+                <a14:useLocalDpi xmlns:a14="http://schemas.microsoft.com/office/drawing/2010/main" val="0"/>
+              </a:ext>
+            </a:extLst>
+          </a:blip>
+          <a:srcRect l="8841" t="11787" r="10774" b="11112"/>
+          <a:stretch/>
+        </p:blipFill>
+        <p:spPr>
+          <a:xfrm>
+            <a:off x="5575003" y="367110"/>
+            <a:ext cx="1159436" cy="1112055"/>
+          </a:xfrm>
+          <a:prstGeom prst="ellipse">
+            <a:avLst/>
+          </a:prstGeom>
+          <a:ln>
+            <a:noFill/>
+          </a:ln>
+          <a:effectLst>
+            <a:softEdge rad="0"/>
+          </a:effectLst>
+        </p:spPr>
+      </p:pic>
     </p:spTree>
     <p:extLst>
       <p:ext uri="{BB962C8B-B14F-4D97-AF65-F5344CB8AC3E}">
@@ -12183,42 +12313,6 @@
           </p:txBody>
         </p:sp>
       </p:grpSp>
-      <p:pic>
-        <p:nvPicPr>
-          <p:cNvPr id="9" name="Immagine 8">
-            <a:extLst>
-              <a:ext uri="{FF2B5EF4-FFF2-40B4-BE49-F238E27FC236}">
-                <a16:creationId xmlns:a16="http://schemas.microsoft.com/office/drawing/2014/main" id="{92357B94-CCF5-45AC-9EB8-361593A73F57}"/>
-              </a:ext>
-            </a:extLst>
-          </p:cNvPr>
-          <p:cNvPicPr>
-            <a:picLocks noChangeAspect="1"/>
-          </p:cNvPicPr>
-          <p:nvPr/>
-        </p:nvPicPr>
-        <p:blipFill>
-          <a:blip r:embed="rId2">
-            <a:extLst>
-              <a:ext uri="{28A0092B-C50C-407E-A947-70E740481C1C}">
-                <a14:useLocalDpi xmlns:a14="http://schemas.microsoft.com/office/drawing/2010/main" val="0"/>
-              </a:ext>
-            </a:extLst>
-          </a:blip>
-          <a:stretch>
-            <a:fillRect/>
-          </a:stretch>
-        </p:blipFill>
-        <p:spPr>
-          <a:xfrm>
-            <a:off x="5620273" y="369115"/>
-            <a:ext cx="1074141" cy="1074141"/>
-          </a:xfrm>
-          <a:prstGeom prst="rect">
-            <a:avLst/>
-          </a:prstGeom>
-        </p:spPr>
-      </p:pic>
       <p:grpSp>
         <p:nvGrpSpPr>
           <p:cNvPr id="13" name="Gruppo 12">
@@ -13353,6 +13447,68 @@
           </a:p>
         </p:txBody>
       </p:sp>
+      <p:pic>
+        <p:nvPicPr>
+          <p:cNvPr id="24" name="Immagine 23">
+            <a:extLst>
+              <a:ext uri="{FF2B5EF4-FFF2-40B4-BE49-F238E27FC236}">
+                <a16:creationId xmlns:a16="http://schemas.microsoft.com/office/drawing/2014/main" id="{23D8E956-5FA8-4568-8193-49B57566ADC8}"/>
+              </a:ext>
+            </a:extLst>
+          </p:cNvPr>
+          <p:cNvPicPr>
+            <a:picLocks noChangeAspect="1"/>
+          </p:cNvPicPr>
+          <p:nvPr/>
+        </p:nvPicPr>
+        <p:blipFill rotWithShape="1">
+          <a:blip r:embed="rId2">
+            <a:extLst>
+              <a:ext uri="{BEBA8EAE-BF5A-486C-A8C5-ECC9F3942E4B}">
+                <a14:imgProps xmlns:a14="http://schemas.microsoft.com/office/drawing/2010/main">
+                  <a14:imgLayer r:embed="rId3">
+                    <a14:imgEffect>
+                      <a14:backgroundRemoval t="16667" b="81167" l="12833" r="81167">
+                        <a14:foregroundMark x1="52167" y1="19000" x2="52167" y2="19000"/>
+                        <a14:foregroundMark x1="50333" y1="17667" x2="50333" y2="17667"/>
+                        <a14:foregroundMark x1="51833" y1="16667" x2="51833" y2="16667"/>
+                        <a14:foregroundMark x1="52833" y1="16833" x2="52833" y2="16833"/>
+                        <a14:foregroundMark x1="49417" y1="18000" x2="49417" y2="18000"/>
+                        <a14:foregroundMark x1="16583" y1="59833" x2="16583" y2="59833"/>
+                        <a14:foregroundMark x1="12833" y1="61333" x2="12833" y2="61333"/>
+                        <a14:foregroundMark x1="14417" y1="57417" x2="14417" y2="57417"/>
+                        <a14:foregroundMark x1="15417" y1="57083" x2="15417" y2="57083"/>
+                        <a14:foregroundMark x1="16250" y1="56750" x2="16250" y2="56750"/>
+                        <a14:foregroundMark x1="13417" y1="58167" x2="13417" y2="58167"/>
+                      </a14:backgroundRemoval>
+                    </a14:imgEffect>
+                  </a14:imgLayer>
+                </a14:imgProps>
+              </a:ext>
+              <a:ext uri="{28A0092B-C50C-407E-A947-70E740481C1C}">
+                <a14:useLocalDpi xmlns:a14="http://schemas.microsoft.com/office/drawing/2010/main" val="0"/>
+              </a:ext>
+            </a:extLst>
+          </a:blip>
+          <a:srcRect l="8841" t="11787" r="10774" b="11112"/>
+          <a:stretch/>
+        </p:blipFill>
+        <p:spPr>
+          <a:xfrm>
+            <a:off x="5575003" y="367110"/>
+            <a:ext cx="1159436" cy="1112055"/>
+          </a:xfrm>
+          <a:prstGeom prst="ellipse">
+            <a:avLst/>
+          </a:prstGeom>
+          <a:ln>
+            <a:noFill/>
+          </a:ln>
+          <a:effectLst>
+            <a:softEdge rad="0"/>
+          </a:effectLst>
+        </p:spPr>
+      </p:pic>
     </p:spTree>
     <p:extLst>
       <p:ext uri="{BB962C8B-B14F-4D97-AF65-F5344CB8AC3E}">
@@ -13721,42 +13877,6 @@
           </p:txBody>
         </p:sp>
       </p:grpSp>
-      <p:pic>
-        <p:nvPicPr>
-          <p:cNvPr id="9" name="Immagine 8">
-            <a:extLst>
-              <a:ext uri="{FF2B5EF4-FFF2-40B4-BE49-F238E27FC236}">
-                <a16:creationId xmlns:a16="http://schemas.microsoft.com/office/drawing/2014/main" id="{92357B94-CCF5-45AC-9EB8-361593A73F57}"/>
-              </a:ext>
-            </a:extLst>
-          </p:cNvPr>
-          <p:cNvPicPr>
-            <a:picLocks noChangeAspect="1"/>
-          </p:cNvPicPr>
-          <p:nvPr/>
-        </p:nvPicPr>
-        <p:blipFill>
-          <a:blip r:embed="rId2">
-            <a:extLst>
-              <a:ext uri="{28A0092B-C50C-407E-A947-70E740481C1C}">
-                <a14:useLocalDpi xmlns:a14="http://schemas.microsoft.com/office/drawing/2010/main" val="0"/>
-              </a:ext>
-            </a:extLst>
-          </a:blip>
-          <a:stretch>
-            <a:fillRect/>
-          </a:stretch>
-        </p:blipFill>
-        <p:spPr>
-          <a:xfrm>
-            <a:off x="5620273" y="369115"/>
-            <a:ext cx="1074141" cy="1074141"/>
-          </a:xfrm>
-          <a:prstGeom prst="rect">
-            <a:avLst/>
-          </a:prstGeom>
-        </p:spPr>
-      </p:pic>
       <p:graphicFrame>
         <p:nvGraphicFramePr>
           <p:cNvPr id="31" name="Tabella 30">
@@ -14696,12 +14816,74 @@
           </a:p>
         </p:txBody>
       </p:sp>
+      <p:pic>
+        <p:nvPicPr>
+          <p:cNvPr id="54" name="Immagine 53">
+            <a:extLst>
+              <a:ext uri="{FF2B5EF4-FFF2-40B4-BE49-F238E27FC236}">
+                <a16:creationId xmlns:a16="http://schemas.microsoft.com/office/drawing/2014/main" id="{6EB5D0E5-F1AF-4C0D-90CC-A093D02F75A8}"/>
+              </a:ext>
+            </a:extLst>
+          </p:cNvPr>
+          <p:cNvPicPr>
+            <a:picLocks noChangeAspect="1"/>
+          </p:cNvPicPr>
+          <p:nvPr/>
+        </p:nvPicPr>
+        <p:blipFill rotWithShape="1">
+          <a:blip r:embed="rId2">
+            <a:extLst>
+              <a:ext uri="{BEBA8EAE-BF5A-486C-A8C5-ECC9F3942E4B}">
+                <a14:imgProps xmlns:a14="http://schemas.microsoft.com/office/drawing/2010/main">
+                  <a14:imgLayer r:embed="rId3">
+                    <a14:imgEffect>
+                      <a14:backgroundRemoval t="16667" b="81167" l="12833" r="81167">
+                        <a14:foregroundMark x1="52167" y1="19000" x2="52167" y2="19000"/>
+                        <a14:foregroundMark x1="50333" y1="17667" x2="50333" y2="17667"/>
+                        <a14:foregroundMark x1="51833" y1="16667" x2="51833" y2="16667"/>
+                        <a14:foregroundMark x1="52833" y1="16833" x2="52833" y2="16833"/>
+                        <a14:foregroundMark x1="49417" y1="18000" x2="49417" y2="18000"/>
+                        <a14:foregroundMark x1="16583" y1="59833" x2="16583" y2="59833"/>
+                        <a14:foregroundMark x1="12833" y1="61333" x2="12833" y2="61333"/>
+                        <a14:foregroundMark x1="14417" y1="57417" x2="14417" y2="57417"/>
+                        <a14:foregroundMark x1="15417" y1="57083" x2="15417" y2="57083"/>
+                        <a14:foregroundMark x1="16250" y1="56750" x2="16250" y2="56750"/>
+                        <a14:foregroundMark x1="13417" y1="58167" x2="13417" y2="58167"/>
+                      </a14:backgroundRemoval>
+                    </a14:imgEffect>
+                  </a14:imgLayer>
+                </a14:imgProps>
+              </a:ext>
+              <a:ext uri="{28A0092B-C50C-407E-A947-70E740481C1C}">
+                <a14:useLocalDpi xmlns:a14="http://schemas.microsoft.com/office/drawing/2010/main" val="0"/>
+              </a:ext>
+            </a:extLst>
+          </a:blip>
+          <a:srcRect l="8841" t="11787" r="10774" b="11112"/>
+          <a:stretch/>
+        </p:blipFill>
+        <p:spPr>
+          <a:xfrm>
+            <a:off x="5575003" y="367110"/>
+            <a:ext cx="1159436" cy="1112055"/>
+          </a:xfrm>
+          <a:prstGeom prst="ellipse">
+            <a:avLst/>
+          </a:prstGeom>
+          <a:ln>
+            <a:noFill/>
+          </a:ln>
+          <a:effectLst>
+            <a:softEdge rad="0"/>
+          </a:effectLst>
+        </p:spPr>
+      </p:pic>
       <p:grpSp>
         <p:nvGrpSpPr>
-          <p:cNvPr id="11" name="Gruppo 10">
-            <a:extLst>
-              <a:ext uri="{FF2B5EF4-FFF2-40B4-BE49-F238E27FC236}">
-                <a16:creationId xmlns:a16="http://schemas.microsoft.com/office/drawing/2014/main" id="{AE8D0589-2732-4917-B2E3-ADBF2A01CC4F}"/>
+          <p:cNvPr id="45" name="Gruppo 44">
+            <a:extLst>
+              <a:ext uri="{FF2B5EF4-FFF2-40B4-BE49-F238E27FC236}">
+                <a16:creationId xmlns:a16="http://schemas.microsoft.com/office/drawing/2014/main" id="{07E568E3-1068-4358-AFFA-23B71FBB7C5F}"/>
               </a:ext>
             </a:extLst>
           </p:cNvPr>
@@ -14718,10 +14900,10 @@
         </p:grpSpPr>
         <p:sp>
           <p:nvSpPr>
-            <p:cNvPr id="10" name="Rettangolo 9">
+            <p:cNvPr id="46" name="Rettangolo 45">
               <a:extLst>
                 <a:ext uri="{FF2B5EF4-FFF2-40B4-BE49-F238E27FC236}">
-                  <a16:creationId xmlns:a16="http://schemas.microsoft.com/office/drawing/2014/main" id="{A3FA20E6-C7C9-40F7-B265-1786D2EFCF5C}"/>
+                  <a16:creationId xmlns:a16="http://schemas.microsoft.com/office/drawing/2014/main" id="{B97A75BA-BB79-4A07-BA40-C2C54958D77C}"/>
                 </a:ext>
               </a:extLst>
             </p:cNvPr>
@@ -14769,10 +14951,10 @@
         </p:sp>
         <p:pic>
           <p:nvPicPr>
-            <p:cNvPr id="14" name="Elemento grafico 13" descr="Freccia linea: diritta">
+            <p:cNvPr id="47" name="Elemento grafico 46" descr="Freccia linea: diritta">
               <a:extLst>
                 <a:ext uri="{FF2B5EF4-FFF2-40B4-BE49-F238E27FC236}">
-                  <a16:creationId xmlns:a16="http://schemas.microsoft.com/office/drawing/2014/main" id="{CE0BB1B9-C489-409B-913B-AD143DC28644}"/>
+                  <a16:creationId xmlns:a16="http://schemas.microsoft.com/office/drawing/2014/main" id="{1B58465C-B4B9-424E-888D-7E5DFD910C4F}"/>
                 </a:ext>
               </a:extLst>
             </p:cNvPr>
@@ -14782,13 +14964,13 @@
             <p:nvPr/>
           </p:nvPicPr>
           <p:blipFill>
-            <a:blip r:embed="rId3">
+            <a:blip r:embed="rId4">
               <a:extLst>
                 <a:ext uri="{28A0092B-C50C-407E-A947-70E740481C1C}">
                   <a14:useLocalDpi xmlns:a14="http://schemas.microsoft.com/office/drawing/2010/main" val="0"/>
                 </a:ext>
                 <a:ext uri="{96DAC541-7B7A-43D3-8B79-37D633B846F1}">
-                  <asvg:svgBlip xmlns:asvg="http://schemas.microsoft.com/office/drawing/2016/SVG/main" r:embed="rId4"/>
+                  <asvg:svgBlip xmlns:asvg="http://schemas.microsoft.com/office/drawing/2016/SVG/main" r:embed="rId5"/>
                 </a:ext>
               </a:extLst>
             </a:blip>
@@ -14808,10 +14990,10 @@
         </p:pic>
         <p:sp>
           <p:nvSpPr>
-            <p:cNvPr id="15" name="CasellaDiTesto 14">
+            <p:cNvPr id="48" name="CasellaDiTesto 47">
               <a:extLst>
                 <a:ext uri="{FF2B5EF4-FFF2-40B4-BE49-F238E27FC236}">
-                  <a16:creationId xmlns:a16="http://schemas.microsoft.com/office/drawing/2014/main" id="{4ECBE344-285B-4DB5-A876-7A4E87DEC4F4}"/>
+                  <a16:creationId xmlns:a16="http://schemas.microsoft.com/office/drawing/2014/main" id="{185227B5-63F9-496C-838C-EE13ACCB8EFF}"/>
                 </a:ext>
               </a:extLst>
             </p:cNvPr>
@@ -14847,10 +15029,10 @@
         </p:sp>
         <p:sp>
           <p:nvSpPr>
-            <p:cNvPr id="29" name="CasellaDiTesto 28">
+            <p:cNvPr id="49" name="CasellaDiTesto 48">
               <a:extLst>
                 <a:ext uri="{FF2B5EF4-FFF2-40B4-BE49-F238E27FC236}">
-                  <a16:creationId xmlns:a16="http://schemas.microsoft.com/office/drawing/2014/main" id="{EE14AA07-A678-4B7C-8F40-1B07E5C7D00C}"/>
+                  <a16:creationId xmlns:a16="http://schemas.microsoft.com/office/drawing/2014/main" id="{E2A318D9-FA90-42E4-9078-CFA7C84FAE40}"/>
                 </a:ext>
               </a:extLst>
             </p:cNvPr>
@@ -14895,10 +15077,10 @@
         </p:sp>
         <p:sp>
           <p:nvSpPr>
-            <p:cNvPr id="30" name="CasellaDiTesto 29">
+            <p:cNvPr id="50" name="CasellaDiTesto 49">
               <a:extLst>
                 <a:ext uri="{FF2B5EF4-FFF2-40B4-BE49-F238E27FC236}">
-                  <a16:creationId xmlns:a16="http://schemas.microsoft.com/office/drawing/2014/main" id="{675F064F-5955-493C-A1B8-8AEAD5E7F1AD}"/>
+                  <a16:creationId xmlns:a16="http://schemas.microsoft.com/office/drawing/2014/main" id="{864D3796-5F18-4F87-ABCB-1830EB262F35}"/>
                 </a:ext>
               </a:extLst>
             </p:cNvPr>
@@ -14956,10 +15138,10 @@
         </p:sp>
         <p:sp>
           <p:nvSpPr>
-            <p:cNvPr id="33" name="CasellaDiTesto 32">
+            <p:cNvPr id="51" name="CasellaDiTesto 50">
               <a:extLst>
                 <a:ext uri="{FF2B5EF4-FFF2-40B4-BE49-F238E27FC236}">
-                  <a16:creationId xmlns:a16="http://schemas.microsoft.com/office/drawing/2014/main" id="{3DEFF4A5-7D48-4144-B663-A231EA06866F}"/>
+                  <a16:creationId xmlns:a16="http://schemas.microsoft.com/office/drawing/2014/main" id="{1DD08F78-7B67-4F39-B5A3-EB1469F9822E}"/>
                 </a:ext>
               </a:extLst>
             </p:cNvPr>
@@ -15001,10 +15183,10 @@
         </p:sp>
         <p:sp>
           <p:nvSpPr>
-            <p:cNvPr id="35" name="CasellaDiTesto 34">
+            <p:cNvPr id="52" name="CasellaDiTesto 51">
               <a:extLst>
                 <a:ext uri="{FF2B5EF4-FFF2-40B4-BE49-F238E27FC236}">
-                  <a16:creationId xmlns:a16="http://schemas.microsoft.com/office/drawing/2014/main" id="{C2BE4CE3-8E7A-4B89-B406-1CD15479535A}"/>
+                  <a16:creationId xmlns:a16="http://schemas.microsoft.com/office/drawing/2014/main" id="{E9160982-217B-4893-9E76-828272E2D86F}"/>
                 </a:ext>
               </a:extLst>
             </p:cNvPr>
@@ -15062,10 +15244,10 @@
         </p:sp>
         <p:sp>
           <p:nvSpPr>
-            <p:cNvPr id="16" name="Rettangolo con angoli arrotondati 15">
+            <p:cNvPr id="53" name="Rettangolo con angoli arrotondati 52">
               <a:extLst>
                 <a:ext uri="{FF2B5EF4-FFF2-40B4-BE49-F238E27FC236}">
-                  <a16:creationId xmlns:a16="http://schemas.microsoft.com/office/drawing/2014/main" id="{C93903F9-E9CF-4C2F-ACF1-9BBFDC3EDB7A}"/>
+                  <a16:creationId xmlns:a16="http://schemas.microsoft.com/office/drawing/2014/main" id="{E02074DF-559D-4A8C-B2BA-8A654EC56EBF}"/>
                 </a:ext>
               </a:extLst>
             </p:cNvPr>
@@ -15481,42 +15663,6 @@
           </p:txBody>
         </p:sp>
       </p:grpSp>
-      <p:pic>
-        <p:nvPicPr>
-          <p:cNvPr id="9" name="Immagine 8">
-            <a:extLst>
-              <a:ext uri="{FF2B5EF4-FFF2-40B4-BE49-F238E27FC236}">
-                <a16:creationId xmlns:a16="http://schemas.microsoft.com/office/drawing/2014/main" id="{92357B94-CCF5-45AC-9EB8-361593A73F57}"/>
-              </a:ext>
-            </a:extLst>
-          </p:cNvPr>
-          <p:cNvPicPr>
-            <a:picLocks noChangeAspect="1"/>
-          </p:cNvPicPr>
-          <p:nvPr/>
-        </p:nvPicPr>
-        <p:blipFill>
-          <a:blip r:embed="rId2">
-            <a:extLst>
-              <a:ext uri="{28A0092B-C50C-407E-A947-70E740481C1C}">
-                <a14:useLocalDpi xmlns:a14="http://schemas.microsoft.com/office/drawing/2010/main" val="0"/>
-              </a:ext>
-            </a:extLst>
-          </a:blip>
-          <a:stretch>
-            <a:fillRect/>
-          </a:stretch>
-        </p:blipFill>
-        <p:spPr>
-          <a:xfrm>
-            <a:off x="5620273" y="369115"/>
-            <a:ext cx="1074141" cy="1074141"/>
-          </a:xfrm>
-          <a:prstGeom prst="rect">
-            <a:avLst/>
-          </a:prstGeom>
-        </p:spPr>
-      </p:pic>
       <p:grpSp>
         <p:nvGrpSpPr>
           <p:cNvPr id="13" name="Gruppo 12">
@@ -15727,13 +15873,13 @@
           <p:nvPr/>
         </p:nvPicPr>
         <p:blipFill>
-          <a:blip r:embed="rId3">
+          <a:blip r:embed="rId2">
             <a:extLst>
               <a:ext uri="{28A0092B-C50C-407E-A947-70E740481C1C}">
                 <a14:useLocalDpi xmlns:a14="http://schemas.microsoft.com/office/drawing/2010/main" val="0"/>
               </a:ext>
               <a:ext uri="{96DAC541-7B7A-43D3-8B79-37D633B846F1}">
-                <asvg:svgBlip xmlns:asvg="http://schemas.microsoft.com/office/drawing/2016/SVG/main" r:embed="rId4"/>
+                <asvg:svgBlip xmlns:asvg="http://schemas.microsoft.com/office/drawing/2016/SVG/main" r:embed="rId3"/>
               </a:ext>
             </a:extLst>
           </a:blip>
@@ -16690,6 +16836,68 @@
           </a:p>
         </p:txBody>
       </p:sp>
+      <p:pic>
+        <p:nvPicPr>
+          <p:cNvPr id="74" name="Immagine 73">
+            <a:extLst>
+              <a:ext uri="{FF2B5EF4-FFF2-40B4-BE49-F238E27FC236}">
+                <a16:creationId xmlns:a16="http://schemas.microsoft.com/office/drawing/2014/main" id="{13ACD996-4433-4FC1-8F28-53EC749C08CB}"/>
+              </a:ext>
+            </a:extLst>
+          </p:cNvPr>
+          <p:cNvPicPr>
+            <a:picLocks noChangeAspect="1"/>
+          </p:cNvPicPr>
+          <p:nvPr/>
+        </p:nvPicPr>
+        <p:blipFill rotWithShape="1">
+          <a:blip r:embed="rId4">
+            <a:extLst>
+              <a:ext uri="{BEBA8EAE-BF5A-486C-A8C5-ECC9F3942E4B}">
+                <a14:imgProps xmlns:a14="http://schemas.microsoft.com/office/drawing/2010/main">
+                  <a14:imgLayer r:embed="rId5">
+                    <a14:imgEffect>
+                      <a14:backgroundRemoval t="16667" b="81167" l="12833" r="81167">
+                        <a14:foregroundMark x1="52167" y1="19000" x2="52167" y2="19000"/>
+                        <a14:foregroundMark x1="50333" y1="17667" x2="50333" y2="17667"/>
+                        <a14:foregroundMark x1="51833" y1="16667" x2="51833" y2="16667"/>
+                        <a14:foregroundMark x1="52833" y1="16833" x2="52833" y2="16833"/>
+                        <a14:foregroundMark x1="49417" y1="18000" x2="49417" y2="18000"/>
+                        <a14:foregroundMark x1="16583" y1="59833" x2="16583" y2="59833"/>
+                        <a14:foregroundMark x1="12833" y1="61333" x2="12833" y2="61333"/>
+                        <a14:foregroundMark x1="14417" y1="57417" x2="14417" y2="57417"/>
+                        <a14:foregroundMark x1="15417" y1="57083" x2="15417" y2="57083"/>
+                        <a14:foregroundMark x1="16250" y1="56750" x2="16250" y2="56750"/>
+                        <a14:foregroundMark x1="13417" y1="58167" x2="13417" y2="58167"/>
+                      </a14:backgroundRemoval>
+                    </a14:imgEffect>
+                  </a14:imgLayer>
+                </a14:imgProps>
+              </a:ext>
+              <a:ext uri="{28A0092B-C50C-407E-A947-70E740481C1C}">
+                <a14:useLocalDpi xmlns:a14="http://schemas.microsoft.com/office/drawing/2010/main" val="0"/>
+              </a:ext>
+            </a:extLst>
+          </a:blip>
+          <a:srcRect l="8841" t="11787" r="10774" b="11112"/>
+          <a:stretch/>
+        </p:blipFill>
+        <p:spPr>
+          <a:xfrm>
+            <a:off x="5575003" y="367110"/>
+            <a:ext cx="1159436" cy="1112055"/>
+          </a:xfrm>
+          <a:prstGeom prst="ellipse">
+            <a:avLst/>
+          </a:prstGeom>
+          <a:ln>
+            <a:noFill/>
+          </a:ln>
+          <a:effectLst>
+            <a:softEdge rad="0"/>
+          </a:effectLst>
+        </p:spPr>
+      </p:pic>
       <p:grpSp>
         <p:nvGrpSpPr>
           <p:cNvPr id="53" name="Gruppo 52">
@@ -17504,13 +17712,13 @@
             <p:nvPr/>
           </p:nvPicPr>
           <p:blipFill>
-            <a:blip r:embed="rId5">
+            <a:blip r:embed="rId6">
               <a:extLst>
                 <a:ext uri="{28A0092B-C50C-407E-A947-70E740481C1C}">
                   <a14:useLocalDpi xmlns:a14="http://schemas.microsoft.com/office/drawing/2010/main" val="0"/>
                 </a:ext>
                 <a:ext uri="{96DAC541-7B7A-43D3-8B79-37D633B846F1}">
-                  <asvg:svgBlip xmlns:asvg="http://schemas.microsoft.com/office/drawing/2016/SVG/main" r:embed="rId6"/>
+                  <asvg:svgBlip xmlns:asvg="http://schemas.microsoft.com/office/drawing/2016/SVG/main" r:embed="rId7"/>
                 </a:ext>
               </a:extLst>
             </a:blip>
@@ -17543,13 +17751,13 @@
             <p:nvPr/>
           </p:nvPicPr>
           <p:blipFill>
-            <a:blip r:embed="rId5">
+            <a:blip r:embed="rId6">
               <a:extLst>
                 <a:ext uri="{28A0092B-C50C-407E-A947-70E740481C1C}">
                   <a14:useLocalDpi xmlns:a14="http://schemas.microsoft.com/office/drawing/2010/main" val="0"/>
                 </a:ext>
                 <a:ext uri="{96DAC541-7B7A-43D3-8B79-37D633B846F1}">
-                  <asvg:svgBlip xmlns:asvg="http://schemas.microsoft.com/office/drawing/2016/SVG/main" r:embed="rId6"/>
+                  <asvg:svgBlip xmlns:asvg="http://schemas.microsoft.com/office/drawing/2016/SVG/main" r:embed="rId7"/>
                 </a:ext>
               </a:extLst>
             </a:blip>
@@ -17583,13 +17791,13 @@
           <p:nvPr/>
         </p:nvPicPr>
         <p:blipFill>
-          <a:blip r:embed="rId3">
+          <a:blip r:embed="rId2">
             <a:extLst>
               <a:ext uri="{28A0092B-C50C-407E-A947-70E740481C1C}">
                 <a14:useLocalDpi xmlns:a14="http://schemas.microsoft.com/office/drawing/2010/main" val="0"/>
               </a:ext>
               <a:ext uri="{96DAC541-7B7A-43D3-8B79-37D633B846F1}">
-                <asvg:svgBlip xmlns:asvg="http://schemas.microsoft.com/office/drawing/2016/SVG/main" r:embed="rId4"/>
+                <asvg:svgBlip xmlns:asvg="http://schemas.microsoft.com/office/drawing/2016/SVG/main" r:embed="rId3"/>
               </a:ext>
             </a:extLst>
           </a:blip>
@@ -17977,10 +18185,10 @@
       </p:grpSp>
       <p:pic>
         <p:nvPicPr>
-          <p:cNvPr id="9" name="Immagine 8">
-            <a:extLst>
-              <a:ext uri="{FF2B5EF4-FFF2-40B4-BE49-F238E27FC236}">
-                <a16:creationId xmlns:a16="http://schemas.microsoft.com/office/drawing/2014/main" id="{92357B94-CCF5-45AC-9EB8-361593A73F57}"/>
+          <p:cNvPr id="3" name="Immagine 2">
+            <a:extLst>
+              <a:ext uri="{FF2B5EF4-FFF2-40B4-BE49-F238E27FC236}">
+                <a16:creationId xmlns:a16="http://schemas.microsoft.com/office/drawing/2014/main" id="{106C301D-D572-4FE3-8435-0A2694874737}"/>
               </a:ext>
             </a:extLst>
           </p:cNvPr>
@@ -17990,43 +18198,7 @@
           <p:nvPr/>
         </p:nvPicPr>
         <p:blipFill>
-          <a:blip r:embed="rId2">
-            <a:extLst>
-              <a:ext uri="{28A0092B-C50C-407E-A947-70E740481C1C}">
-                <a14:useLocalDpi xmlns:a14="http://schemas.microsoft.com/office/drawing/2010/main" val="0"/>
-              </a:ext>
-            </a:extLst>
-          </a:blip>
-          <a:stretch>
-            <a:fillRect/>
-          </a:stretch>
-        </p:blipFill>
-        <p:spPr>
-          <a:xfrm>
-            <a:off x="5620273" y="369115"/>
-            <a:ext cx="1074141" cy="1074141"/>
-          </a:xfrm>
-          <a:prstGeom prst="rect">
-            <a:avLst/>
-          </a:prstGeom>
-        </p:spPr>
-      </p:pic>
-      <p:pic>
-        <p:nvPicPr>
-          <p:cNvPr id="3" name="Immagine 2">
-            <a:extLst>
-              <a:ext uri="{FF2B5EF4-FFF2-40B4-BE49-F238E27FC236}">
-                <a16:creationId xmlns:a16="http://schemas.microsoft.com/office/drawing/2014/main" id="{106C301D-D572-4FE3-8435-0A2694874737}"/>
-              </a:ext>
-            </a:extLst>
-          </p:cNvPr>
-          <p:cNvPicPr>
-            <a:picLocks noChangeAspect="1"/>
-          </p:cNvPicPr>
-          <p:nvPr/>
-        </p:nvPicPr>
-        <p:blipFill>
-          <a:blip r:embed="rId3"/>
+          <a:blip r:embed="rId2"/>
           <a:stretch>
             <a:fillRect/>
           </a:stretch>
@@ -18439,6 +18611,68 @@
           </p:txBody>
         </p:sp>
       </p:grpSp>
+      <p:pic>
+        <p:nvPicPr>
+          <p:cNvPr id="25" name="Immagine 24">
+            <a:extLst>
+              <a:ext uri="{FF2B5EF4-FFF2-40B4-BE49-F238E27FC236}">
+                <a16:creationId xmlns:a16="http://schemas.microsoft.com/office/drawing/2014/main" id="{19917E0A-F6E9-4B79-9116-54AFAC00A4B5}"/>
+              </a:ext>
+            </a:extLst>
+          </p:cNvPr>
+          <p:cNvPicPr>
+            <a:picLocks noChangeAspect="1"/>
+          </p:cNvPicPr>
+          <p:nvPr/>
+        </p:nvPicPr>
+        <p:blipFill rotWithShape="1">
+          <a:blip r:embed="rId3">
+            <a:extLst>
+              <a:ext uri="{BEBA8EAE-BF5A-486C-A8C5-ECC9F3942E4B}">
+                <a14:imgProps xmlns:a14="http://schemas.microsoft.com/office/drawing/2010/main">
+                  <a14:imgLayer r:embed="rId4">
+                    <a14:imgEffect>
+                      <a14:backgroundRemoval t="16667" b="81167" l="12833" r="81167">
+                        <a14:foregroundMark x1="52167" y1="19000" x2="52167" y2="19000"/>
+                        <a14:foregroundMark x1="50333" y1="17667" x2="50333" y2="17667"/>
+                        <a14:foregroundMark x1="51833" y1="16667" x2="51833" y2="16667"/>
+                        <a14:foregroundMark x1="52833" y1="16833" x2="52833" y2="16833"/>
+                        <a14:foregroundMark x1="49417" y1="18000" x2="49417" y2="18000"/>
+                        <a14:foregroundMark x1="16583" y1="59833" x2="16583" y2="59833"/>
+                        <a14:foregroundMark x1="12833" y1="61333" x2="12833" y2="61333"/>
+                        <a14:foregroundMark x1="14417" y1="57417" x2="14417" y2="57417"/>
+                        <a14:foregroundMark x1="15417" y1="57083" x2="15417" y2="57083"/>
+                        <a14:foregroundMark x1="16250" y1="56750" x2="16250" y2="56750"/>
+                        <a14:foregroundMark x1="13417" y1="58167" x2="13417" y2="58167"/>
+                      </a14:backgroundRemoval>
+                    </a14:imgEffect>
+                  </a14:imgLayer>
+                </a14:imgProps>
+              </a:ext>
+              <a:ext uri="{28A0092B-C50C-407E-A947-70E740481C1C}">
+                <a14:useLocalDpi xmlns:a14="http://schemas.microsoft.com/office/drawing/2010/main" val="0"/>
+              </a:ext>
+            </a:extLst>
+          </a:blip>
+          <a:srcRect l="8841" t="11787" r="10774" b="11112"/>
+          <a:stretch/>
+        </p:blipFill>
+        <p:spPr>
+          <a:xfrm>
+            <a:off x="5575003" y="367110"/>
+            <a:ext cx="1159436" cy="1112055"/>
+          </a:xfrm>
+          <a:prstGeom prst="ellipse">
+            <a:avLst/>
+          </a:prstGeom>
+          <a:ln>
+            <a:noFill/>
+          </a:ln>
+          <a:effectLst>
+            <a:softEdge rad="0"/>
+          </a:effectLst>
+        </p:spPr>
+      </p:pic>
     </p:spTree>
     <p:extLst>
       <p:ext uri="{BB962C8B-B14F-4D97-AF65-F5344CB8AC3E}">
